--- a/Bogotá_PUB.pptx
+++ b/Bogotá_PUB.pptx
@@ -258,7 +258,7 @@
           <a:p>
             <a:fld id="{4E4206E0-8F38-491F-8DD8-9DEF31DAB11E}" type="datetimeFigureOut">
               <a:rPr lang="es-CO" smtClean="0"/>
-              <a:t>11/06/2019</a:t>
+              <a:t>25/11/2019</a:t>
             </a:fld>
             <a:endParaRPr lang="es-CO"/>
           </a:p>
@@ -423,7 +423,7 @@
           <a:p>
             <a:fld id="{AE7E15B5-955E-4B5B-9E1F-B3C4B4C6AE0C}" type="datetimeFigureOut">
               <a:rPr lang="es-CO" smtClean="0"/>
-              <a:t>11/06/2019</a:t>
+              <a:t>25/11/2019</a:t>
             </a:fld>
             <a:endParaRPr lang="es-CO"/>
           </a:p>
@@ -764,7 +764,7 @@
           <a:p>
             <a:fld id="{483D03DC-5ED8-7A42-A55E-C10C004AFC42}" type="datetimeFigureOut">
               <a:rPr lang="es-ES" smtClean="0"/>
-              <a:t>11/06/2019</a:t>
+              <a:t>25/11/2019</a:t>
             </a:fld>
             <a:endParaRPr lang="es-ES"/>
           </a:p>
@@ -1433,7 +1433,7 @@
           <a:p>
             <a:fld id="{483D03DC-5ED8-7A42-A55E-C10C004AFC42}" type="datetimeFigureOut">
               <a:rPr lang="es-ES" smtClean="0"/>
-              <a:t>11/06/2019</a:t>
+              <a:t>25/11/2019</a:t>
             </a:fld>
             <a:endParaRPr lang="es-ES" dirty="0"/>
           </a:p>
@@ -1592,7 +1592,7 @@
           <a:p>
             <a:fld id="{483D03DC-5ED8-7A42-A55E-C10C004AFC42}" type="datetimeFigureOut">
               <a:rPr lang="es-ES" smtClean="0"/>
-              <a:t>11/06/2019</a:t>
+              <a:t>25/11/2019</a:t>
             </a:fld>
             <a:endParaRPr lang="es-ES"/>
           </a:p>
@@ -2122,7 +2122,7 @@
           <a:p>
             <a:fld id="{483D03DC-5ED8-7A42-A55E-C10C004AFC42}" type="datetimeFigureOut">
               <a:rPr lang="es-ES" smtClean="0"/>
-              <a:t>11/06/2019</a:t>
+              <a:t>25/11/2019</a:t>
             </a:fld>
             <a:endParaRPr lang="es-ES"/>
           </a:p>
@@ -2655,7 +2655,7 @@
           <a:p>
             <a:fld id="{483D03DC-5ED8-7A42-A55E-C10C004AFC42}" type="datetimeFigureOut">
               <a:rPr lang="es-ES" smtClean="0"/>
-              <a:t>11/06/2019</a:t>
+              <a:t>25/11/2019</a:t>
             </a:fld>
             <a:endParaRPr lang="es-ES"/>
           </a:p>
@@ -2885,7 +2885,7 @@
           <a:p>
             <a:fld id="{483D03DC-5ED8-7A42-A55E-C10C004AFC42}" type="datetimeFigureOut">
               <a:rPr lang="es-ES" smtClean="0"/>
-              <a:t>11/06/2019</a:t>
+              <a:t>25/11/2019</a:t>
             </a:fld>
             <a:endParaRPr lang="es-ES"/>
           </a:p>
@@ -3563,7 +3563,7 @@
           <a:p>
             <a:fld id="{483D03DC-5ED8-7A42-A55E-C10C004AFC42}" type="datetimeFigureOut">
               <a:rPr lang="es-ES" smtClean="0"/>
-              <a:t>11/06/2019</a:t>
+              <a:t>25/11/2019</a:t>
             </a:fld>
             <a:endParaRPr lang="es-ES" dirty="0"/>
           </a:p>
@@ -3658,7 +3658,7 @@
           <a:p>
             <a:fld id="{483D03DC-5ED8-7A42-A55E-C10C004AFC42}" type="datetimeFigureOut">
               <a:rPr lang="es-ES" smtClean="0"/>
-              <a:t>11/06/2019</a:t>
+              <a:t>25/11/2019</a:t>
             </a:fld>
             <a:endParaRPr lang="es-ES"/>
           </a:p>
@@ -4203,7 +4203,7 @@
           <a:p>
             <a:fld id="{483D03DC-5ED8-7A42-A55E-C10C004AFC42}" type="datetimeFigureOut">
               <a:rPr lang="es-ES" smtClean="0"/>
-              <a:t>11/06/2019</a:t>
+              <a:t>25/11/2019</a:t>
             </a:fld>
             <a:endParaRPr lang="es-ES"/>
           </a:p>
@@ -5120,7 +5120,7 @@
           <a:p>
             <a:fld id="{483D03DC-5ED8-7A42-A55E-C10C004AFC42}" type="datetimeFigureOut">
               <a:rPr lang="es-ES" smtClean="0"/>
-              <a:t>11/06/2019</a:t>
+              <a:t>25/11/2019</a:t>
             </a:fld>
             <a:endParaRPr lang="es-ES" dirty="0"/>
           </a:p>
@@ -5279,7 +5279,7 @@
           <a:p>
             <a:fld id="{483D03DC-5ED8-7A42-A55E-C10C004AFC42}" type="datetimeFigureOut">
               <a:rPr lang="es-ES" smtClean="0"/>
-              <a:t>11/06/2019</a:t>
+              <a:t>25/11/2019</a:t>
             </a:fld>
             <a:endParaRPr lang="es-ES"/>
           </a:p>
@@ -5809,7 +5809,7 @@
           <a:p>
             <a:fld id="{483D03DC-5ED8-7A42-A55E-C10C004AFC42}" type="datetimeFigureOut">
               <a:rPr lang="es-ES" smtClean="0"/>
-              <a:t>11/06/2019</a:t>
+              <a:t>25/11/2019</a:t>
             </a:fld>
             <a:endParaRPr lang="es-ES"/>
           </a:p>
@@ -6368,7 +6368,7 @@
           <a:p>
             <a:fld id="{483D03DC-5ED8-7A42-A55E-C10C004AFC42}" type="datetimeFigureOut">
               <a:rPr lang="es-ES" smtClean="0"/>
-              <a:t>11/06/2019</a:t>
+              <a:t>25/11/2019</a:t>
             </a:fld>
             <a:endParaRPr lang="es-ES"/>
           </a:p>
@@ -6793,13 +6793,6 @@
               </a:rPr>
               <a:t>Bogotá Pub</a:t>
             </a:r>
-            <a:endParaRPr lang="es-CO" sz="6600" b="1" dirty="0" smtClean="0">
-              <a:solidFill>
-                <a:schemeClr val="accent5">
-                  <a:lumMod val="75000"/>
-                </a:schemeClr>
-              </a:solidFill>
-            </a:endParaRPr>
           </a:p>
         </p:txBody>
       </p:sp>
@@ -6992,14 +6985,14 @@
               <a:buChar char="•"/>
             </a:pPr>
             <a:r>
-              <a:rPr lang="es-ES" sz="4000">
+              <a:rPr lang="es-ES" sz="4000" dirty="0">
                 <a:latin typeface="Arial" panose="020B0604020202020204" pitchFamily="34" charset="0"/>
                 <a:cs typeface="Arial" panose="020B0604020202020204" pitchFamily="34" charset="0"/>
               </a:rPr>
               <a:t>JOSE </a:t>
             </a:r>
             <a:r>
-              <a:rPr lang="es-ES" sz="4000" smtClean="0">
+              <a:rPr lang="es-ES" sz="4000" dirty="0" smtClean="0">
                 <a:latin typeface="Arial" panose="020B0604020202020204" pitchFamily="34" charset="0"/>
                 <a:cs typeface="Arial" panose="020B0604020202020204" pitchFamily="34" charset="0"/>
               </a:rPr>
@@ -7009,19 +7002,6 @@
               <a:latin typeface="Arial" panose="020B0604020202020204" pitchFamily="34" charset="0"/>
               <a:cs typeface="Arial" panose="020B0604020202020204" pitchFamily="34" charset="0"/>
             </a:endParaRPr>
-          </a:p>
-          <a:p>
-            <a:pPr marL="571500" indent="-571500" algn="l">
-              <a:buFont typeface="Arial" panose="020B0604020202020204" pitchFamily="34" charset="0"/>
-              <a:buChar char="•"/>
-            </a:pPr>
-            <a:r>
-              <a:rPr lang="es-ES" sz="4000" dirty="0" smtClean="0">
-                <a:latin typeface="Arial" panose="020B0604020202020204" pitchFamily="34" charset="0"/>
-                <a:cs typeface="Arial" panose="020B0604020202020204" pitchFamily="34" charset="0"/>
-              </a:rPr>
-              <a:t>NICOLAS SOLER C</a:t>
-            </a:r>
           </a:p>
         </p:txBody>
       </p:sp>
@@ -7728,40 +7708,7 @@
                 <a:ea typeface="Calibri" panose="020F0502020204030204" pitchFamily="34" charset="0"/>
                 <a:cs typeface="Arial" panose="020B0604020202020204" pitchFamily="34" charset="0"/>
               </a:rPr>
-              <a:t>Desarrollar un sistema de </a:t>
-            </a:r>
-            <a:r>
-              <a:rPr lang="es-MX" sz="2800" dirty="0" smtClean="0">
-                <a:solidFill>
-                  <a:srgbClr val="000000"/>
-                </a:solidFill>
-                <a:latin typeface="Arial" panose="020B0604020202020204" pitchFamily="34" charset="0"/>
-                <a:ea typeface="Calibri" panose="020F0502020204030204" pitchFamily="34" charset="0"/>
-                <a:cs typeface="Arial" panose="020B0604020202020204" pitchFamily="34" charset="0"/>
-              </a:rPr>
-              <a:t>información </a:t>
-            </a:r>
-            <a:r>
-              <a:rPr lang="es-MX" sz="2800" dirty="0" smtClean="0">
-                <a:solidFill>
-                  <a:srgbClr val="000000"/>
-                </a:solidFill>
-                <a:latin typeface="Arial" panose="020B0604020202020204" pitchFamily="34" charset="0"/>
-                <a:ea typeface="Calibri" panose="020F0502020204030204" pitchFamily="34" charset="0"/>
-                <a:cs typeface="Arial" panose="020B0604020202020204" pitchFamily="34" charset="0"/>
-              </a:rPr>
-              <a:t>web </a:t>
-            </a:r>
-            <a:r>
-              <a:rPr lang="es-MX" sz="2800" dirty="0" smtClean="0">
-                <a:solidFill>
-                  <a:srgbClr val="000000"/>
-                </a:solidFill>
-                <a:latin typeface="Arial" panose="020B0604020202020204" pitchFamily="34" charset="0"/>
-                <a:ea typeface="Calibri" panose="020F0502020204030204" pitchFamily="34" charset="0"/>
-                <a:cs typeface="Arial" panose="020B0604020202020204" pitchFamily="34" charset="0"/>
-              </a:rPr>
-              <a:t>que gestione inventario, facturación y servicios de ventas de microempresas tipo restaurante-bar (PUB).</a:t>
+              <a:t>Desarrollar un sistema de información web que gestione inventario, facturación y servicios de ventas de microempresas tipo restaurante-bar (PUB).</a:t>
             </a:r>
             <a:endParaRPr lang="es-MX" sz="2800" dirty="0">
               <a:solidFill>
@@ -8003,18 +7950,7 @@
                 <a:ea typeface="Calibri" panose="020F0502020204030204" pitchFamily="34" charset="0"/>
                 <a:cs typeface="Arial" panose="020B0604020202020204" pitchFamily="34" charset="0"/>
               </a:rPr>
-              <a:t>Establecer módulos para administrador, cajero y            cliente</a:t>
-            </a:r>
-            <a:r>
-              <a:rPr lang="es-MX" sz="2800" dirty="0" smtClean="0">
-                <a:solidFill>
-                  <a:srgbClr val="000000"/>
-                </a:solidFill>
-                <a:latin typeface="Arial" panose="020B0604020202020204" pitchFamily="34" charset="0"/>
-                <a:ea typeface="Calibri" panose="020F0502020204030204" pitchFamily="34" charset="0"/>
-                <a:cs typeface="Arial" panose="020B0604020202020204" pitchFamily="34" charset="0"/>
-              </a:rPr>
-              <a:t>.</a:t>
+              <a:t>Establecer módulos para administrador, cajero y            cliente.</a:t>
             </a:r>
           </a:p>
           <a:p>
@@ -8101,14 +8037,6 @@
               </a:rPr>
               <a:t>Implementar sistema de noticias en el modulo para clientes.</a:t>
             </a:r>
-            <a:endParaRPr lang="es-MX" sz="2800" dirty="0" smtClean="0">
-              <a:solidFill>
-                <a:srgbClr val="000000"/>
-              </a:solidFill>
-              <a:latin typeface="Arial" panose="020B0604020202020204" pitchFamily="34" charset="0"/>
-              <a:ea typeface="Calibri" panose="020F0502020204030204" pitchFamily="34" charset="0"/>
-              <a:cs typeface="Arial" panose="020B0604020202020204" pitchFamily="34" charset="0"/>
-            </a:endParaRPr>
           </a:p>
           <a:p>
             <a:pPr lvl="0" indent="-342900" algn="just">
@@ -8375,18 +8303,7 @@
                 <a:ea typeface="Calibri" panose="020F0502020204030204" pitchFamily="34" charset="0"/>
                 <a:cs typeface="Arial" panose="020B0604020202020204" pitchFamily="34" charset="0"/>
               </a:rPr>
-              <a:t>En microempresas como restaurantes es usual observar complicaciones en interacciones del cliente con los servicios de compra y reservaciones de mesa, haciendo que la atención al cliente se vea afectada</a:t>
-            </a:r>
-            <a:r>
-              <a:rPr lang="es-MX" sz="2800" dirty="0" smtClean="0">
-                <a:solidFill>
-                  <a:srgbClr val="000000"/>
-                </a:solidFill>
-                <a:latin typeface="Arial" panose="020B0604020202020204" pitchFamily="34" charset="0"/>
-                <a:ea typeface="Calibri" panose="020F0502020204030204" pitchFamily="34" charset="0"/>
-                <a:cs typeface="Arial" panose="020B0604020202020204" pitchFamily="34" charset="0"/>
-              </a:rPr>
-              <a:t>.</a:t>
+              <a:t>En microempresas como restaurantes es usual observar complicaciones en interacciones del cliente con los servicios de compra y reservaciones de mesa, haciendo que la atención al cliente se vea afectada.</a:t>
             </a:r>
             <a:endParaRPr lang="x-none" sz="2800" dirty="0">
               <a:solidFill>
@@ -8622,14 +8539,6 @@
               </a:rPr>
               <a:t>.</a:t>
             </a:r>
-            <a:endParaRPr lang="es-ES" sz="2800" dirty="0">
-              <a:solidFill>
-                <a:srgbClr val="000000"/>
-              </a:solidFill>
-              <a:latin typeface="Arial" panose="020B0604020202020204" pitchFamily="34" charset="0"/>
-              <a:ea typeface="Calibri" panose="020F0502020204030204" pitchFamily="34" charset="0"/>
-              <a:cs typeface="Arial" panose="020B0604020202020204" pitchFamily="34" charset="0"/>
-            </a:endParaRPr>
           </a:p>
         </p:txBody>
       </p:sp>
